--- a/51.pptx
+++ b/51.pptx
@@ -5,7 +5,8 @@
     <p:sldMasterId id="2147483648" r:id="rId1"/>
   </p:sldMasterIdLst>
   <p:sldIdLst>
-    <p:sldId id="257" r:id="rId2"/>
+    <p:sldId id="256" r:id="rId2"/>
+    <p:sldId id="257" r:id="rId3"/>
   </p:sldIdLst>
   <p:sldSz cx="12192000" cy="6858000"/>
   <p:notesSz cx="6858000" cy="9144000"/>
@@ -3326,6 +3327,510 @@
 </file>
 
 <file path=ppt/slides/slide1.xml><?xml version="1.0" encoding="utf-8"?>
+<p:sld xmlns:a="http://schemas.openxmlformats.org/drawingml/2006/main" xmlns:r="http://schemas.openxmlformats.org/officeDocument/2006/relationships" xmlns:p="http://schemas.openxmlformats.org/presentationml/2006/main">
+  <p:cSld>
+    <p:bg>
+      <p:bgPr>
+        <a:gradFill>
+          <a:gsLst>
+            <a:gs pos="0">
+              <a:schemeClr val="bg1">
+                <a:lumMod val="90856"/>
+                <a:lumOff val="9144"/>
+              </a:schemeClr>
+            </a:gs>
+            <a:gs pos="74000">
+              <a:schemeClr val="bg1"/>
+            </a:gs>
+            <a:gs pos="61000">
+              <a:schemeClr val="bg1"/>
+            </a:gs>
+            <a:gs pos="99000">
+              <a:schemeClr val="accent3">
+                <a:lumMod val="20000"/>
+                <a:lumOff val="80000"/>
+              </a:schemeClr>
+            </a:gs>
+          </a:gsLst>
+          <a:lin ang="5400000" scaled="1"/>
+        </a:gradFill>
+        <a:effectLst/>
+      </p:bgPr>
+    </p:bg>
+    <p:spTree>
+      <p:nvGrpSpPr>
+        <p:cNvPr id="1" name=""/>
+        <p:cNvGrpSpPr/>
+        <p:nvPr/>
+      </p:nvGrpSpPr>
+      <p:grpSpPr>
+        <a:xfrm>
+          <a:off x="0" y="0"/>
+          <a:ext cx="0" cy="0"/>
+          <a:chOff x="0" y="0"/>
+          <a:chExt cx="0" cy="0"/>
+        </a:xfrm>
+      </p:grpSpPr>
+      <p:pic>
+        <p:nvPicPr>
+          <p:cNvPr id="7" name="Picture 6" descr="A person giving a presentation to a group of people&#10;&#10;Description automatically generated">
+            <a:extLst>
+              <a:ext uri="{FF2B5EF4-FFF2-40B4-BE49-F238E27FC236}">
+                <a16:creationId xmlns:a16="http://schemas.microsoft.com/office/drawing/2014/main" id="{1522067A-D43D-E777-6D83-4ECE24B39B27}"/>
+              </a:ext>
+            </a:extLst>
+          </p:cNvPr>
+          <p:cNvPicPr>
+            <a:picLocks noChangeAspect="1"/>
+          </p:cNvPicPr>
+          <p:nvPr/>
+        </p:nvPicPr>
+        <p:blipFill>
+          <a:blip r:embed="rId2"/>
+          <a:stretch>
+            <a:fillRect/>
+          </a:stretch>
+        </p:blipFill>
+        <p:spPr>
+          <a:xfrm>
+            <a:off x="5616385" y="1032788"/>
+            <a:ext cx="2323491" cy="1738988"/>
+          </a:xfrm>
+          <a:prstGeom prst="rect">
+            <a:avLst/>
+          </a:prstGeom>
+          <a:effectLst>
+            <a:glow>
+              <a:schemeClr val="accent1">
+                <a:alpha val="56378"/>
+              </a:schemeClr>
+            </a:glow>
+            <a:outerShdw blurRad="50800" dir="5400000" algn="ctr" rotWithShape="0">
+              <a:schemeClr val="accent4">
+                <a:lumMod val="20000"/>
+                <a:lumOff val="80000"/>
+                <a:alpha val="49000"/>
+              </a:schemeClr>
+            </a:outerShdw>
+            <a:reflection stA="45000" endPos="0" dist="326510" dir="5400000" sy="-100000" algn="bl" rotWithShape="0"/>
+          </a:effectLst>
+        </p:spPr>
+      </p:pic>
+      <p:sp>
+        <p:nvSpPr>
+          <p:cNvPr id="8" name="Rectangle 7">
+            <a:extLst>
+              <a:ext uri="{FF2B5EF4-FFF2-40B4-BE49-F238E27FC236}">
+                <a16:creationId xmlns:a16="http://schemas.microsoft.com/office/drawing/2014/main" id="{57F1E93C-D39F-9D2A-54E9-6DDC6E014ED4}"/>
+              </a:ext>
+            </a:extLst>
+          </p:cNvPr>
+          <p:cNvSpPr/>
+          <p:nvPr/>
+        </p:nvSpPr>
+        <p:spPr>
+          <a:xfrm>
+            <a:off x="-71442" y="12681"/>
+            <a:ext cx="12334884" cy="528638"/>
+          </a:xfrm>
+          <a:prstGeom prst="rect">
+            <a:avLst/>
+          </a:prstGeom>
+          <a:gradFill>
+            <a:gsLst>
+              <a:gs pos="0">
+                <a:schemeClr val="bg1">
+                  <a:lumMod val="85000"/>
+                </a:schemeClr>
+              </a:gs>
+              <a:gs pos="74000">
+                <a:schemeClr val="bg1"/>
+              </a:gs>
+              <a:gs pos="61000">
+                <a:schemeClr val="bg1"/>
+              </a:gs>
+              <a:gs pos="99000">
+                <a:schemeClr val="bg1">
+                  <a:lumMod val="95000"/>
+                </a:schemeClr>
+              </a:gs>
+            </a:gsLst>
+            <a:lin ang="5400000" scaled="1"/>
+          </a:gradFill>
+          <a:ln>
+            <a:solidFill>
+              <a:schemeClr val="bg1"/>
+            </a:solidFill>
+          </a:ln>
+        </p:spPr>
+        <p:style>
+          <a:lnRef idx="2">
+            <a:schemeClr val="accent1">
+              <a:shade val="15000"/>
+            </a:schemeClr>
+          </a:lnRef>
+          <a:fillRef idx="1">
+            <a:schemeClr val="accent1"/>
+          </a:fillRef>
+          <a:effectRef idx="0">
+            <a:schemeClr val="accent1"/>
+          </a:effectRef>
+          <a:fontRef idx="minor">
+            <a:schemeClr val="lt1"/>
+          </a:fontRef>
+        </p:style>
+        <p:txBody>
+          <a:bodyPr rtlCol="0" anchor="ctr"/>
+          <a:lstStyle/>
+          <a:p>
+            <a:pPr algn="ctr"/>
+            <a:endParaRPr lang="en-TH">
+              <a:solidFill>
+                <a:schemeClr val="bg2"/>
+              </a:solidFill>
+            </a:endParaRPr>
+          </a:p>
+        </p:txBody>
+      </p:sp>
+      <p:pic>
+        <p:nvPicPr>
+          <p:cNvPr id="11" name="Picture 10" descr="A person sitting at a computer&#10;&#10;Description automatically generated">
+            <a:extLst>
+              <a:ext uri="{FF2B5EF4-FFF2-40B4-BE49-F238E27FC236}">
+                <a16:creationId xmlns:a16="http://schemas.microsoft.com/office/drawing/2014/main" id="{2B48E400-C3A4-6B79-17D8-66356C429045}"/>
+              </a:ext>
+            </a:extLst>
+          </p:cNvPr>
+          <p:cNvPicPr>
+            <a:picLocks noChangeAspect="1"/>
+          </p:cNvPicPr>
+          <p:nvPr/>
+        </p:nvPicPr>
+        <p:blipFill>
+          <a:blip r:embed="rId3"/>
+          <a:stretch>
+            <a:fillRect/>
+          </a:stretch>
+        </p:blipFill>
+        <p:spPr>
+          <a:xfrm>
+            <a:off x="8128703" y="1668213"/>
+            <a:ext cx="3065820" cy="3046660"/>
+          </a:xfrm>
+          <a:prstGeom prst="rect">
+            <a:avLst/>
+          </a:prstGeom>
+          <a:effectLst>
+            <a:glow>
+              <a:schemeClr val="accent4">
+                <a:lumMod val="40000"/>
+                <a:lumOff val="60000"/>
+              </a:schemeClr>
+            </a:glow>
+            <a:outerShdw sx="1000" sy="1000" algn="ctr" rotWithShape="0">
+              <a:schemeClr val="tx2">
+                <a:lumMod val="25000"/>
+                <a:lumOff val="75000"/>
+              </a:schemeClr>
+            </a:outerShdw>
+            <a:reflection endPos="0" dir="5400000" sy="-100000" algn="bl" rotWithShape="0"/>
+          </a:effectLst>
+        </p:spPr>
+      </p:pic>
+      <p:sp>
+        <p:nvSpPr>
+          <p:cNvPr id="19" name="TextBox 18">
+            <a:extLst>
+              <a:ext uri="{FF2B5EF4-FFF2-40B4-BE49-F238E27FC236}">
+                <a16:creationId xmlns:a16="http://schemas.microsoft.com/office/drawing/2014/main" id="{D262B570-543D-5B32-A792-097F47963273}"/>
+              </a:ext>
+            </a:extLst>
+          </p:cNvPr>
+          <p:cNvSpPr txBox="1"/>
+          <p:nvPr/>
+        </p:nvSpPr>
+        <p:spPr>
+          <a:xfrm>
+            <a:off x="1124067" y="5275787"/>
+            <a:ext cx="1160895" cy="276999"/>
+          </a:xfrm>
+          <a:prstGeom prst="rect">
+            <a:avLst/>
+          </a:prstGeom>
+          <a:noFill/>
+        </p:spPr>
+        <p:txBody>
+          <a:bodyPr wrap="none" rtlCol="0">
+            <a:spAutoFit/>
+          </a:bodyPr>
+          <a:lstStyle/>
+          <a:p>
+            <a:r>
+              <a:rPr lang="en-TH" sz="1200" dirty="0">
+                <a:solidFill>
+                  <a:schemeClr val="bg2">
+                    <a:lumMod val="50000"/>
+                  </a:schemeClr>
+                </a:solidFill>
+                <a:latin typeface="Calibri" panose="020F0502020204030204" pitchFamily="34" charset="0"/>
+                <a:cs typeface="Calibri" panose="020F0502020204030204" pitchFamily="34" charset="0"/>
+              </a:rPr>
+              <a:t>+66 628545436</a:t>
+            </a:r>
+          </a:p>
+        </p:txBody>
+      </p:sp>
+      <p:sp>
+        <p:nvSpPr>
+          <p:cNvPr id="21" name="Connector 20">
+            <a:extLst>
+              <a:ext uri="{FF2B5EF4-FFF2-40B4-BE49-F238E27FC236}">
+                <a16:creationId xmlns:a16="http://schemas.microsoft.com/office/drawing/2014/main" id="{9CB8D0DA-04C5-766A-A33D-6E51FD280CA7}"/>
+              </a:ext>
+            </a:extLst>
+          </p:cNvPr>
+          <p:cNvSpPr/>
+          <p:nvPr/>
+        </p:nvSpPr>
+        <p:spPr>
+          <a:xfrm>
+            <a:off x="614375" y="5218637"/>
+            <a:ext cx="381105" cy="397934"/>
+          </a:xfrm>
+          <a:prstGeom prst="flowChartConnector">
+            <a:avLst/>
+          </a:prstGeom>
+          <a:blipFill>
+            <a:blip r:embed="rId4"/>
+            <a:stretch>
+              <a:fillRect/>
+            </a:stretch>
+          </a:blipFill>
+          <a:ln>
+            <a:solidFill>
+              <a:schemeClr val="bg1"/>
+            </a:solidFill>
+          </a:ln>
+        </p:spPr>
+        <p:style>
+          <a:lnRef idx="2">
+            <a:schemeClr val="accent1">
+              <a:shade val="15000"/>
+            </a:schemeClr>
+          </a:lnRef>
+          <a:fillRef idx="1">
+            <a:schemeClr val="accent1"/>
+          </a:fillRef>
+          <a:effectRef idx="0">
+            <a:schemeClr val="accent1"/>
+          </a:effectRef>
+          <a:fontRef idx="minor">
+            <a:schemeClr val="lt1"/>
+          </a:fontRef>
+        </p:style>
+        <p:txBody>
+          <a:bodyPr rtlCol="0" anchor="ctr"/>
+          <a:lstStyle/>
+          <a:p>
+            <a:pPr algn="ctr"/>
+            <a:endParaRPr lang="en-TH"/>
+          </a:p>
+        </p:txBody>
+      </p:sp>
+      <p:sp>
+        <p:nvSpPr>
+          <p:cNvPr id="22" name="Connector 21">
+            <a:extLst>
+              <a:ext uri="{FF2B5EF4-FFF2-40B4-BE49-F238E27FC236}">
+                <a16:creationId xmlns:a16="http://schemas.microsoft.com/office/drawing/2014/main" id="{1DAFCA76-1979-D63D-4DED-E8B4A1C54203}"/>
+              </a:ext>
+            </a:extLst>
+          </p:cNvPr>
+          <p:cNvSpPr/>
+          <p:nvPr/>
+        </p:nvSpPr>
+        <p:spPr>
+          <a:xfrm>
+            <a:off x="666760" y="5728231"/>
+            <a:ext cx="265284" cy="276999"/>
+          </a:xfrm>
+          <a:prstGeom prst="flowChartConnector">
+            <a:avLst/>
+          </a:prstGeom>
+          <a:blipFill>
+            <a:blip r:embed="rId5"/>
+            <a:stretch>
+              <a:fillRect/>
+            </a:stretch>
+          </a:blipFill>
+          <a:ln>
+            <a:solidFill>
+              <a:schemeClr val="bg1"/>
+            </a:solidFill>
+          </a:ln>
+        </p:spPr>
+        <p:style>
+          <a:lnRef idx="2">
+            <a:schemeClr val="accent1">
+              <a:shade val="15000"/>
+            </a:schemeClr>
+          </a:lnRef>
+          <a:fillRef idx="1">
+            <a:schemeClr val="accent1"/>
+          </a:fillRef>
+          <a:effectRef idx="0">
+            <a:schemeClr val="accent1"/>
+          </a:effectRef>
+          <a:fontRef idx="minor">
+            <a:schemeClr val="lt1"/>
+          </a:fontRef>
+        </p:style>
+        <p:txBody>
+          <a:bodyPr rtlCol="0" anchor="ctr"/>
+          <a:lstStyle/>
+          <a:p>
+            <a:pPr algn="ctr"/>
+            <a:endParaRPr lang="en-TH"/>
+          </a:p>
+        </p:txBody>
+      </p:sp>
+      <p:sp>
+        <p:nvSpPr>
+          <p:cNvPr id="25" name="TextBox 24">
+            <a:extLst>
+              <a:ext uri="{FF2B5EF4-FFF2-40B4-BE49-F238E27FC236}">
+                <a16:creationId xmlns:a16="http://schemas.microsoft.com/office/drawing/2014/main" id="{8CD0C9DA-D506-5D8F-B28E-99F0C3BB6864}"/>
+              </a:ext>
+            </a:extLst>
+          </p:cNvPr>
+          <p:cNvSpPr txBox="1"/>
+          <p:nvPr/>
+        </p:nvSpPr>
+        <p:spPr>
+          <a:xfrm>
+            <a:off x="1133587" y="5728229"/>
+            <a:ext cx="2404569" cy="276999"/>
+          </a:xfrm>
+          <a:prstGeom prst="rect">
+            <a:avLst/>
+          </a:prstGeom>
+          <a:noFill/>
+        </p:spPr>
+        <p:txBody>
+          <a:bodyPr wrap="none" rtlCol="0">
+            <a:spAutoFit/>
+          </a:bodyPr>
+          <a:lstStyle/>
+          <a:p>
+            <a:r>
+              <a:rPr lang="en-US" sz="1200" dirty="0">
+                <a:solidFill>
+                  <a:schemeClr val="bg2">
+                    <a:lumMod val="50000"/>
+                  </a:schemeClr>
+                </a:solidFill>
+                <a:latin typeface="Calibri" panose="020F0502020204030204" pitchFamily="34" charset="0"/>
+                <a:cs typeface="Calibri" panose="020F0502020204030204" pitchFamily="34" charset="0"/>
+              </a:rPr>
+              <a:t>s</a:t>
+            </a:r>
+            <a:r>
+              <a:rPr lang="en-TH" sz="1200" dirty="0">
+                <a:solidFill>
+                  <a:schemeClr val="bg2">
+                    <a:lumMod val="50000"/>
+                  </a:schemeClr>
+                </a:solidFill>
+                <a:latin typeface="Calibri" panose="020F0502020204030204" pitchFamily="34" charset="0"/>
+                <a:cs typeface="Calibri" panose="020F0502020204030204" pitchFamily="34" charset="0"/>
+              </a:rPr>
+              <a:t>aikyawhtayaung.mcsa@gmail.com</a:t>
+            </a:r>
+          </a:p>
+        </p:txBody>
+      </p:sp>
+      <p:sp>
+        <p:nvSpPr>
+          <p:cNvPr id="26" name="TextBox 25">
+            <a:extLst>
+              <a:ext uri="{FF2B5EF4-FFF2-40B4-BE49-F238E27FC236}">
+                <a16:creationId xmlns:a16="http://schemas.microsoft.com/office/drawing/2014/main" id="{B9C3E1E7-7185-CDE6-AFFE-B3942F6F5D08}"/>
+              </a:ext>
+            </a:extLst>
+          </p:cNvPr>
+          <p:cNvSpPr txBox="1"/>
+          <p:nvPr/>
+        </p:nvSpPr>
+        <p:spPr>
+          <a:xfrm>
+            <a:off x="571603" y="6152093"/>
+            <a:ext cx="2244076" cy="276999"/>
+          </a:xfrm>
+          <a:prstGeom prst="rect">
+            <a:avLst/>
+          </a:prstGeom>
+          <a:noFill/>
+        </p:spPr>
+        <p:txBody>
+          <a:bodyPr wrap="none" rtlCol="0">
+            <a:spAutoFit/>
+          </a:bodyPr>
+          <a:lstStyle/>
+          <a:p>
+            <a:r>
+              <a:rPr lang="en-US" sz="1200" i="1" dirty="0">
+                <a:solidFill>
+                  <a:schemeClr val="accent3">
+                    <a:lumMod val="60000"/>
+                    <a:lumOff val="40000"/>
+                  </a:schemeClr>
+                </a:solidFill>
+                <a:latin typeface="Calibri" panose="020F0502020204030204" pitchFamily="34" charset="0"/>
+                <a:cs typeface="Calibri" panose="020F0502020204030204" pitchFamily="34" charset="0"/>
+              </a:rPr>
+              <a:t>Website: </a:t>
+            </a:r>
+            <a:r>
+              <a:rPr lang="en-US" sz="1200" i="1" dirty="0" err="1">
+                <a:solidFill>
+                  <a:schemeClr val="bg2">
+                    <a:lumMod val="50000"/>
+                  </a:schemeClr>
+                </a:solidFill>
+                <a:latin typeface="Calibri" panose="020F0502020204030204" pitchFamily="34" charset="0"/>
+                <a:cs typeface="Calibri" panose="020F0502020204030204" pitchFamily="34" charset="0"/>
+              </a:rPr>
+              <a:t>www.s</a:t>
+            </a:r>
+            <a:r>
+              <a:rPr lang="en-TH" sz="1200" i="1" dirty="0">
+                <a:solidFill>
+                  <a:schemeClr val="bg2">
+                    <a:lumMod val="50000"/>
+                  </a:schemeClr>
+                </a:solidFill>
+                <a:latin typeface="Calibri" panose="020F0502020204030204" pitchFamily="34" charset="0"/>
+                <a:cs typeface="Calibri" panose="020F0502020204030204" pitchFamily="34" charset="0"/>
+              </a:rPr>
+              <a:t>aiwebfuture.com</a:t>
+            </a:r>
+          </a:p>
+        </p:txBody>
+      </p:sp>
+    </p:spTree>
+    <p:extLst>
+      <p:ext uri="{BB962C8B-B14F-4D97-AF65-F5344CB8AC3E}">
+        <p14:creationId xmlns:p14="http://schemas.microsoft.com/office/powerpoint/2010/main" val="1073411442"/>
+      </p:ext>
+    </p:extLst>
+  </p:cSld>
+  <p:clrMapOvr>
+    <a:masterClrMapping/>
+  </p:clrMapOvr>
+</p:sld>
+</file>
+
+<file path=ppt/slides/slide2.xml><?xml version="1.0" encoding="utf-8"?>
 <p:sld xmlns:a="http://schemas.openxmlformats.org/drawingml/2006/main" xmlns:r="http://schemas.openxmlformats.org/officeDocument/2006/relationships" xmlns:p="http://schemas.openxmlformats.org/presentationml/2006/main">
   <p:cSld>
     <p:bg>
